--- a/Weekly-Reports/BusbarDesign.pptx
+++ b/Weekly-Reports/BusbarDesign.pptx
@@ -111,6 +111,11 @@
       </a:defRPr>
     </a:lvl9pPr>
   </p:defaultTextStyle>
+  <p:extLst>
+    <p:ext uri="{EFAFB233-063F-42B5-8137-9DF3F51BA10A}">
+      <p15:sldGuideLst xmlns:p15="http://schemas.microsoft.com/office/powerpoint/2012/main"/>
+    </p:ext>
+  </p:extLst>
 </p:presentation>
 </file>
 
@@ -245,7 +250,7 @@
           <a:p>
             <a:fld id="{D9D35ECE-3F6D-4BEF-BD5C-0A55DC54F922}" type="datetimeFigureOut">
               <a:rPr lang="sv-SE" smtClean="0"/>
-              <a:t>2024-09-01</a:t>
+              <a:t>2024-09-26</a:t>
             </a:fld>
             <a:endParaRPr lang="sv-SE"/>
           </a:p>
@@ -415,7 +420,7 @@
           <a:p>
             <a:fld id="{D9D35ECE-3F6D-4BEF-BD5C-0A55DC54F922}" type="datetimeFigureOut">
               <a:rPr lang="sv-SE" smtClean="0"/>
-              <a:t>2024-09-01</a:t>
+              <a:t>2024-09-26</a:t>
             </a:fld>
             <a:endParaRPr lang="sv-SE"/>
           </a:p>
@@ -595,7 +600,7 @@
           <a:p>
             <a:fld id="{D9D35ECE-3F6D-4BEF-BD5C-0A55DC54F922}" type="datetimeFigureOut">
               <a:rPr lang="sv-SE" smtClean="0"/>
-              <a:t>2024-09-01</a:t>
+              <a:t>2024-09-26</a:t>
             </a:fld>
             <a:endParaRPr lang="sv-SE"/>
           </a:p>
@@ -765,7 +770,7 @@
           <a:p>
             <a:fld id="{D9D35ECE-3F6D-4BEF-BD5C-0A55DC54F922}" type="datetimeFigureOut">
               <a:rPr lang="sv-SE" smtClean="0"/>
-              <a:t>2024-09-01</a:t>
+              <a:t>2024-09-26</a:t>
             </a:fld>
             <a:endParaRPr lang="sv-SE"/>
           </a:p>
@@ -1011,7 +1016,7 @@
           <a:p>
             <a:fld id="{D9D35ECE-3F6D-4BEF-BD5C-0A55DC54F922}" type="datetimeFigureOut">
               <a:rPr lang="sv-SE" smtClean="0"/>
-              <a:t>2024-09-01</a:t>
+              <a:t>2024-09-26</a:t>
             </a:fld>
             <a:endParaRPr lang="sv-SE"/>
           </a:p>
@@ -1243,7 +1248,7 @@
           <a:p>
             <a:fld id="{D9D35ECE-3F6D-4BEF-BD5C-0A55DC54F922}" type="datetimeFigureOut">
               <a:rPr lang="sv-SE" smtClean="0"/>
-              <a:t>2024-09-01</a:t>
+              <a:t>2024-09-26</a:t>
             </a:fld>
             <a:endParaRPr lang="sv-SE"/>
           </a:p>
@@ -1610,7 +1615,7 @@
           <a:p>
             <a:fld id="{D9D35ECE-3F6D-4BEF-BD5C-0A55DC54F922}" type="datetimeFigureOut">
               <a:rPr lang="sv-SE" smtClean="0"/>
-              <a:t>2024-09-01</a:t>
+              <a:t>2024-09-26</a:t>
             </a:fld>
             <a:endParaRPr lang="sv-SE"/>
           </a:p>
@@ -1728,7 +1733,7 @@
           <a:p>
             <a:fld id="{D9D35ECE-3F6D-4BEF-BD5C-0A55DC54F922}" type="datetimeFigureOut">
               <a:rPr lang="sv-SE" smtClean="0"/>
-              <a:t>2024-09-01</a:t>
+              <a:t>2024-09-26</a:t>
             </a:fld>
             <a:endParaRPr lang="sv-SE"/>
           </a:p>
@@ -1823,7 +1828,7 @@
           <a:p>
             <a:fld id="{D9D35ECE-3F6D-4BEF-BD5C-0A55DC54F922}" type="datetimeFigureOut">
               <a:rPr lang="sv-SE" smtClean="0"/>
-              <a:t>2024-09-01</a:t>
+              <a:t>2024-09-26</a:t>
             </a:fld>
             <a:endParaRPr lang="sv-SE"/>
           </a:p>
@@ -2100,7 +2105,7 @@
           <a:p>
             <a:fld id="{D9D35ECE-3F6D-4BEF-BD5C-0A55DC54F922}" type="datetimeFigureOut">
               <a:rPr lang="sv-SE" smtClean="0"/>
-              <a:t>2024-09-01</a:t>
+              <a:t>2024-09-26</a:t>
             </a:fld>
             <a:endParaRPr lang="sv-SE"/>
           </a:p>
@@ -2353,7 +2358,7 @@
           <a:p>
             <a:fld id="{D9D35ECE-3F6D-4BEF-BD5C-0A55DC54F922}" type="datetimeFigureOut">
               <a:rPr lang="sv-SE" smtClean="0"/>
-              <a:t>2024-09-01</a:t>
+              <a:t>2024-09-26</a:t>
             </a:fld>
             <a:endParaRPr lang="sv-SE"/>
           </a:p>
@@ -2566,7 +2571,7 @@
           <a:p>
             <a:fld id="{D9D35ECE-3F6D-4BEF-BD5C-0A55DC54F922}" type="datetimeFigureOut">
               <a:rPr lang="sv-SE" smtClean="0"/>
-              <a:t>2024-09-01</a:t>
+              <a:t>2024-09-26</a:t>
             </a:fld>
             <a:endParaRPr lang="sv-SE"/>
           </a:p>
@@ -5135,8 +5140,8 @@
         </p:nvSpPr>
         <p:spPr>
           <a:xfrm>
-            <a:off x="5833872" y="768096"/>
-            <a:ext cx="3709416" cy="5701284"/>
+            <a:off x="5833872" y="3352800"/>
+            <a:ext cx="3709416" cy="3116580"/>
           </a:xfrm>
           <a:prstGeom prst="rect">
             <a:avLst/>
@@ -5189,8 +5194,8 @@
         </p:nvSpPr>
         <p:spPr>
           <a:xfrm>
-            <a:off x="3466338" y="1051560"/>
-            <a:ext cx="5715000" cy="5166359"/>
+            <a:off x="2501900" y="3105150"/>
+            <a:ext cx="6679438" cy="3112769"/>
           </a:xfrm>
           <a:prstGeom prst="rect">
             <a:avLst/>
@@ -5403,8 +5408,8 @@
         </p:nvSpPr>
         <p:spPr>
           <a:xfrm>
-            <a:off x="4222595" y="4185302"/>
-            <a:ext cx="855021" cy="840734"/>
+            <a:off x="4222594" y="3563735"/>
+            <a:ext cx="1263071" cy="1239193"/>
           </a:xfrm>
           <a:prstGeom prst="ellipse">
             <a:avLst/>
@@ -5452,14 +5457,52 @@
       </p:sp>
       <p:sp>
         <p:nvSpPr>
-          <p:cNvPr id="34" name="Oval 33"/>
+          <p:cNvPr id="35" name="TextBox 34"/>
+          <p:cNvSpPr txBox="1"/>
+          <p:nvPr/>
+        </p:nvSpPr>
+        <p:spPr>
+          <a:xfrm>
+            <a:off x="5621654" y="236012"/>
+            <a:ext cx="2921422" cy="369332"/>
+          </a:xfrm>
+          <a:prstGeom prst="rect">
+            <a:avLst/>
+          </a:prstGeom>
+          <a:noFill/>
+        </p:spPr>
+        <p:txBody>
+          <a:bodyPr wrap="square" rtlCol="0">
+            <a:spAutoFit/>
+          </a:bodyPr>
+          <a:lstStyle/>
+          <a:p>
+            <a:r>
+              <a:rPr lang="sv-SE" dirty="0" err="1" smtClean="0"/>
+              <a:t>Top</a:t>
+            </a:r>
+            <a:r>
+              <a:rPr lang="sv-SE" dirty="0" smtClean="0"/>
+              <a:t> </a:t>
+            </a:r>
+            <a:r>
+              <a:rPr lang="sv-SE" dirty="0" err="1" smtClean="0"/>
+              <a:t>View</a:t>
+            </a:r>
+            <a:endParaRPr lang="sv-SE" dirty="0"/>
+          </a:p>
+        </p:txBody>
+      </p:sp>
+      <p:sp>
+        <p:nvSpPr>
+          <p:cNvPr id="16" name="Oval 15"/>
           <p:cNvSpPr/>
           <p:nvPr/>
         </p:nvSpPr>
         <p:spPr>
           <a:xfrm>
-            <a:off x="4206690" y="5238752"/>
-            <a:ext cx="855021" cy="840734"/>
+            <a:off x="4222593" y="4911090"/>
+            <a:ext cx="1263071" cy="1239193"/>
           </a:xfrm>
           <a:prstGeom prst="ellipse">
             <a:avLst/>
@@ -5507,211 +5550,14 @@
       </p:sp>
       <p:sp>
         <p:nvSpPr>
-          <p:cNvPr id="35" name="TextBox 34"/>
-          <p:cNvSpPr txBox="1"/>
-          <p:nvPr/>
-        </p:nvSpPr>
-        <p:spPr>
-          <a:xfrm>
-            <a:off x="5621654" y="236012"/>
-            <a:ext cx="2921422" cy="369332"/>
-          </a:xfrm>
-          <a:prstGeom prst="rect">
-            <a:avLst/>
-          </a:prstGeom>
-          <a:noFill/>
-        </p:spPr>
-        <p:txBody>
-          <a:bodyPr wrap="square" rtlCol="0">
-            <a:spAutoFit/>
-          </a:bodyPr>
-          <a:lstStyle/>
-          <a:p>
-            <a:r>
-              <a:rPr lang="sv-SE" dirty="0" err="1" smtClean="0"/>
-              <a:t>Top</a:t>
-            </a:r>
-            <a:r>
-              <a:rPr lang="sv-SE" dirty="0" smtClean="0"/>
-              <a:t> </a:t>
-            </a:r>
-            <a:r>
-              <a:rPr lang="sv-SE" dirty="0" err="1" smtClean="0"/>
-              <a:t>View</a:t>
-            </a:r>
-            <a:endParaRPr lang="sv-SE" dirty="0"/>
-          </a:p>
-        </p:txBody>
-      </p:sp>
-      <p:sp>
-        <p:nvSpPr>
-          <p:cNvPr id="36" name="Rectangle 35"/>
+          <p:cNvPr id="17" name="Oval 16"/>
           <p:cNvSpPr/>
           <p:nvPr/>
         </p:nvSpPr>
         <p:spPr>
           <a:xfrm>
-            <a:off x="6247121" y="2930422"/>
-            <a:ext cx="2900221" cy="513521"/>
-          </a:xfrm>
-          <a:prstGeom prst="rect">
-            <a:avLst/>
-          </a:prstGeom>
-          <a:solidFill>
-            <a:schemeClr val="bg2">
-              <a:lumMod val="75000"/>
-              <a:alpha val="50000"/>
-            </a:schemeClr>
-          </a:solidFill>
-          <a:ln>
-            <a:solidFill>
-              <a:schemeClr val="bg2">
-                <a:lumMod val="75000"/>
-              </a:schemeClr>
-            </a:solidFill>
-          </a:ln>
-        </p:spPr>
-        <p:style>
-          <a:lnRef idx="2">
-            <a:schemeClr val="accent1">
-              <a:shade val="50000"/>
-            </a:schemeClr>
-          </a:lnRef>
-          <a:fillRef idx="1">
-            <a:schemeClr val="accent1"/>
-          </a:fillRef>
-          <a:effectRef idx="0">
-            <a:schemeClr val="accent1"/>
-          </a:effectRef>
-          <a:fontRef idx="minor">
-            <a:schemeClr val="lt1"/>
-          </a:fontRef>
-        </p:style>
-        <p:txBody>
-          <a:bodyPr rtlCol="0" anchor="ctr"/>
-          <a:lstStyle/>
-          <a:p>
-            <a:pPr algn="ctr"/>
-            <a:endParaRPr lang="sv-SE"/>
-          </a:p>
-        </p:txBody>
-      </p:sp>
-      <p:sp>
-        <p:nvSpPr>
-          <p:cNvPr id="37" name="Rectangle 36"/>
-          <p:cNvSpPr/>
-          <p:nvPr/>
-        </p:nvSpPr>
-        <p:spPr>
-          <a:xfrm>
-            <a:off x="6247121" y="2099883"/>
-            <a:ext cx="2900221" cy="513521"/>
-          </a:xfrm>
-          <a:prstGeom prst="rect">
-            <a:avLst/>
-          </a:prstGeom>
-          <a:solidFill>
-            <a:schemeClr val="bg2">
-              <a:lumMod val="75000"/>
-              <a:alpha val="50000"/>
-            </a:schemeClr>
-          </a:solidFill>
-          <a:ln>
-            <a:solidFill>
-              <a:schemeClr val="bg2">
-                <a:lumMod val="75000"/>
-              </a:schemeClr>
-            </a:solidFill>
-          </a:ln>
-        </p:spPr>
-        <p:style>
-          <a:lnRef idx="2">
-            <a:schemeClr val="accent1">
-              <a:shade val="50000"/>
-            </a:schemeClr>
-          </a:lnRef>
-          <a:fillRef idx="1">
-            <a:schemeClr val="accent1"/>
-          </a:fillRef>
-          <a:effectRef idx="0">
-            <a:schemeClr val="accent1"/>
-          </a:effectRef>
-          <a:fontRef idx="minor">
-            <a:schemeClr val="lt1"/>
-          </a:fontRef>
-        </p:style>
-        <p:txBody>
-          <a:bodyPr rtlCol="0" anchor="ctr"/>
-          <a:lstStyle/>
-          <a:p>
-            <a:pPr algn="ctr"/>
-            <a:endParaRPr lang="sv-SE"/>
-          </a:p>
-        </p:txBody>
-      </p:sp>
-      <p:sp>
-        <p:nvSpPr>
-          <p:cNvPr id="38" name="Rectangle 37"/>
-          <p:cNvSpPr/>
-          <p:nvPr/>
-        </p:nvSpPr>
-        <p:spPr>
-          <a:xfrm>
-            <a:off x="6247121" y="1281057"/>
-            <a:ext cx="2900221" cy="513521"/>
-          </a:xfrm>
-          <a:prstGeom prst="rect">
-            <a:avLst/>
-          </a:prstGeom>
-          <a:solidFill>
-            <a:schemeClr val="bg2">
-              <a:lumMod val="75000"/>
-              <a:alpha val="50000"/>
-            </a:schemeClr>
-          </a:solidFill>
-          <a:ln>
-            <a:solidFill>
-              <a:schemeClr val="bg2">
-                <a:lumMod val="75000"/>
-              </a:schemeClr>
-            </a:solidFill>
-          </a:ln>
-        </p:spPr>
-        <p:style>
-          <a:lnRef idx="2">
-            <a:schemeClr val="accent1">
-              <a:shade val="50000"/>
-            </a:schemeClr>
-          </a:lnRef>
-          <a:fillRef idx="1">
-            <a:schemeClr val="accent1"/>
-          </a:fillRef>
-          <a:effectRef idx="0">
-            <a:schemeClr val="accent1"/>
-          </a:effectRef>
-          <a:fontRef idx="minor">
-            <a:schemeClr val="lt1"/>
-          </a:fontRef>
-        </p:style>
-        <p:txBody>
-          <a:bodyPr rtlCol="0" anchor="ctr"/>
-          <a:lstStyle/>
-          <a:p>
-            <a:pPr algn="ctr"/>
-            <a:endParaRPr lang="sv-SE"/>
-          </a:p>
-        </p:txBody>
-      </p:sp>
-      <p:sp>
-        <p:nvSpPr>
-          <p:cNvPr id="39" name="Oval 38"/>
-          <p:cNvSpPr/>
-          <p:nvPr/>
-        </p:nvSpPr>
-        <p:spPr>
-          <a:xfrm>
-            <a:off x="4214643" y="2089688"/>
-            <a:ext cx="855021" cy="840734"/>
+            <a:off x="2785417" y="3563735"/>
+            <a:ext cx="1263071" cy="1239193"/>
           </a:xfrm>
           <a:prstGeom prst="ellipse">
             <a:avLst/>
@@ -5759,69 +5605,14 @@
       </p:sp>
       <p:sp>
         <p:nvSpPr>
-          <p:cNvPr id="40" name="Oval 39"/>
+          <p:cNvPr id="18" name="Oval 17"/>
           <p:cNvSpPr/>
           <p:nvPr/>
         </p:nvSpPr>
         <p:spPr>
           <a:xfrm>
-            <a:off x="4206691" y="3194122"/>
-            <a:ext cx="855021" cy="840734"/>
-          </a:xfrm>
-          <a:prstGeom prst="ellipse">
-            <a:avLst/>
-          </a:prstGeom>
-          <a:solidFill>
-            <a:schemeClr val="accent6">
-              <a:lumMod val="60000"/>
-              <a:lumOff val="40000"/>
-              <a:alpha val="50000"/>
-            </a:schemeClr>
-          </a:solidFill>
-          <a:ln>
-            <a:solidFill>
-              <a:schemeClr val="accent6">
-                <a:lumMod val="60000"/>
-                <a:lumOff val="40000"/>
-              </a:schemeClr>
-            </a:solidFill>
-          </a:ln>
-        </p:spPr>
-        <p:style>
-          <a:lnRef idx="2">
-            <a:schemeClr val="accent1">
-              <a:shade val="50000"/>
-            </a:schemeClr>
-          </a:lnRef>
-          <a:fillRef idx="1">
-            <a:schemeClr val="accent1"/>
-          </a:fillRef>
-          <a:effectRef idx="0">
-            <a:schemeClr val="accent1"/>
-          </a:effectRef>
-          <a:fontRef idx="minor">
-            <a:schemeClr val="lt1"/>
-          </a:fontRef>
-        </p:style>
-        <p:txBody>
-          <a:bodyPr rtlCol="0" anchor="ctr"/>
-          <a:lstStyle/>
-          <a:p>
-            <a:pPr algn="ctr"/>
-            <a:endParaRPr lang="sv-SE"/>
-          </a:p>
-        </p:txBody>
-      </p:sp>
-      <p:sp>
-        <p:nvSpPr>
-          <p:cNvPr id="41" name="Oval 40"/>
-          <p:cNvSpPr/>
-          <p:nvPr/>
-        </p:nvSpPr>
-        <p:spPr>
-          <a:xfrm>
-            <a:off x="4214642" y="1142596"/>
-            <a:ext cx="855021" cy="840734"/>
+            <a:off x="2785416" y="4911090"/>
+            <a:ext cx="1263071" cy="1239193"/>
           </a:xfrm>
           <a:prstGeom prst="ellipse">
             <a:avLst/>
@@ -6186,7 +5977,7 @@
         </p:blipFill>
         <p:spPr>
           <a:xfrm>
-            <a:off x="8978899" y="2766695"/>
+            <a:off x="8927465" y="2897033"/>
             <a:ext cx="2365375" cy="3153833"/>
           </a:xfrm>
           <a:prstGeom prst="rect">
